--- a/1025/Course Material/20171025.pptx
+++ b/1025/Course Material/20171025.pptx
@@ -2989,23 +2989,15 @@
           </a:prstGeom>
           <a:ln w="9360">
             <a:solidFill>
-              <a:schemeClr val="accent1">
-                <a:alpha val="70000"/>
-              </a:schemeClr>
+              <a:srgbClr val="0070c0"/>
             </a:solidFill>
             <a:round/>
           </a:ln>
         </p:spPr>
         <p:style>
-          <a:lnRef idx="2">
-            <a:schemeClr val="accent1"/>
-          </a:lnRef>
-          <a:fillRef idx="0">
-            <a:schemeClr val="accent1"/>
-          </a:fillRef>
-          <a:effectRef idx="1">
-            <a:schemeClr val="accent1"/>
-          </a:effectRef>
+          <a:lnRef idx="0"/>
+          <a:fillRef idx="0"/>
+          <a:effectRef idx="0"/>
           <a:fontRef idx="minor"/>
         </p:style>
       </p:sp>
@@ -3025,23 +3017,15 @@
           </a:prstGeom>
           <a:ln w="9360">
             <a:solidFill>
-              <a:schemeClr val="accent1">
-                <a:alpha val="70000"/>
-              </a:schemeClr>
+              <a:srgbClr val="0070c0"/>
             </a:solidFill>
             <a:round/>
           </a:ln>
         </p:spPr>
         <p:style>
-          <a:lnRef idx="2">
-            <a:schemeClr val="accent1"/>
-          </a:lnRef>
-          <a:fillRef idx="0">
-            <a:schemeClr val="accent1"/>
-          </a:fillRef>
-          <a:effectRef idx="1">
-            <a:schemeClr val="accent1"/>
-          </a:effectRef>
+          <a:lnRef idx="0"/>
+          <a:fillRef idx="0"/>
+          <a:effectRef idx="0"/>
           <a:fontRef idx="minor"/>
         </p:style>
       </p:sp>
@@ -3083,15 +3067,15 @@
             </a:pathLst>
           </a:custGeom>
           <a:solidFill>
-            <a:schemeClr val="accent1">
+            <a:srgbClr val="0070c0">
               <a:alpha val="36000"/>
-            </a:schemeClr>
+            </a:srgbClr>
           </a:solidFill>
-          <a:ln>
+          <a:ln w="12600">
             <a:noFill/>
           </a:ln>
           <a:effectLst>
-            <a:outerShdw blurRad="38100" dir="5400000" dist="25400" rotWithShape="0">
+            <a:outerShdw dist="25560" dir="5400000">
               <a:srgbClr val="000000">
                 <a:alpha val="35000"/>
               </a:srgbClr>
@@ -3099,15 +3083,9 @@
           </a:effectLst>
         </p:spPr>
         <p:style>
-          <a:lnRef idx="1">
-            <a:schemeClr val="accent1"/>
-          </a:lnRef>
-          <a:fillRef idx="3">
-            <a:schemeClr val="accent1"/>
-          </a:fillRef>
-          <a:effectRef idx="2">
-            <a:schemeClr val="accent1"/>
-          </a:effectRef>
+          <a:lnRef idx="0"/>
+          <a:fillRef idx="0"/>
+          <a:effectRef idx="0"/>
           <a:fontRef idx="minor"/>
         </p:style>
       </p:sp>
@@ -3149,15 +3127,15 @@
             </a:pathLst>
           </a:custGeom>
           <a:solidFill>
-            <a:schemeClr val="accent1">
+            <a:srgbClr val="0070c0">
               <a:alpha val="20000"/>
-            </a:schemeClr>
+            </a:srgbClr>
           </a:solidFill>
-          <a:ln>
+          <a:ln w="12600">
             <a:noFill/>
           </a:ln>
           <a:effectLst>
-            <a:outerShdw blurRad="38100" dir="5400000" dist="25400" rotWithShape="0">
+            <a:outerShdw dist="25560" dir="5400000">
               <a:srgbClr val="000000">
                 <a:alpha val="35000"/>
               </a:srgbClr>
@@ -3165,15 +3143,9 @@
           </a:effectLst>
         </p:spPr>
         <p:style>
-          <a:lnRef idx="1">
-            <a:schemeClr val="accent1"/>
-          </a:lnRef>
-          <a:fillRef idx="3">
-            <a:schemeClr val="accent1"/>
-          </a:fillRef>
-          <a:effectRef idx="2">
-            <a:schemeClr val="accent1"/>
-          </a:effectRef>
+          <a:lnRef idx="0"/>
+          <a:fillRef idx="0"/>
+          <a:effectRef idx="0"/>
           <a:fontRef idx="minor"/>
         </p:style>
       </p:sp>
@@ -3194,16 +3166,15 @@
             </a:avLst>
           </a:prstGeom>
           <a:solidFill>
-            <a:schemeClr val="accent1">
-              <a:lumMod val="75000"/>
+            <a:srgbClr val="005490">
               <a:alpha val="66000"/>
-            </a:schemeClr>
+            </a:srgbClr>
           </a:solidFill>
-          <a:ln>
+          <a:ln w="12600">
             <a:noFill/>
           </a:ln>
           <a:effectLst>
-            <a:outerShdw blurRad="38100" dir="5400000" dist="25400" rotWithShape="0">
+            <a:outerShdw dist="25560" dir="5400000">
               <a:srgbClr val="000000">
                 <a:alpha val="35000"/>
               </a:srgbClr>
@@ -3211,15 +3182,9 @@
           </a:effectLst>
         </p:spPr>
         <p:style>
-          <a:lnRef idx="1">
-            <a:schemeClr val="accent1"/>
-          </a:lnRef>
-          <a:fillRef idx="3">
-            <a:schemeClr val="accent1"/>
-          </a:fillRef>
-          <a:effectRef idx="2">
-            <a:schemeClr val="accent1"/>
-          </a:effectRef>
+          <a:lnRef idx="0"/>
+          <a:fillRef idx="0"/>
+          <a:effectRef idx="0"/>
           <a:fontRef idx="minor"/>
         </p:style>
       </p:sp>
@@ -3261,16 +3226,15 @@
             </a:pathLst>
           </a:custGeom>
           <a:solidFill>
-            <a:schemeClr val="accent1">
-              <a:lumMod val="75000"/>
+            <a:srgbClr val="005490">
               <a:alpha val="50000"/>
-            </a:schemeClr>
+            </a:srgbClr>
           </a:solidFill>
-          <a:ln>
+          <a:ln w="12600">
             <a:noFill/>
           </a:ln>
           <a:effectLst>
-            <a:outerShdw blurRad="38100" dir="5400000" dist="25400" rotWithShape="0">
+            <a:outerShdw dist="25560" dir="5400000">
               <a:srgbClr val="000000">
                 <a:alpha val="35000"/>
               </a:srgbClr>
@@ -3278,15 +3242,9 @@
           </a:effectLst>
         </p:spPr>
         <p:style>
-          <a:lnRef idx="1">
-            <a:schemeClr val="accent1"/>
-          </a:lnRef>
-          <a:fillRef idx="3">
-            <a:schemeClr val="accent1"/>
-          </a:fillRef>
-          <a:effectRef idx="2">
-            <a:schemeClr val="accent1"/>
-          </a:effectRef>
+          <a:lnRef idx="0"/>
+          <a:fillRef idx="0"/>
+          <a:effectRef idx="0"/>
           <a:fontRef idx="minor"/>
         </p:style>
       </p:sp>
@@ -3328,15 +3286,15 @@
             </a:pathLst>
           </a:custGeom>
           <a:solidFill>
-            <a:schemeClr val="accent2">
+            <a:srgbClr val="2e83c3">
               <a:alpha val="70000"/>
-            </a:schemeClr>
+            </a:srgbClr>
           </a:solidFill>
-          <a:ln>
+          <a:ln w="12600">
             <a:noFill/>
           </a:ln>
           <a:effectLst>
-            <a:outerShdw blurRad="38100" dir="5400000" dist="25400" rotWithShape="0">
+            <a:outerShdw dist="25560" dir="5400000">
               <a:srgbClr val="000000">
                 <a:alpha val="35000"/>
               </a:srgbClr>
@@ -3344,15 +3302,9 @@
           </a:effectLst>
         </p:spPr>
         <p:style>
-          <a:lnRef idx="1">
-            <a:schemeClr val="accent1"/>
-          </a:lnRef>
-          <a:fillRef idx="3">
-            <a:schemeClr val="accent1"/>
-          </a:fillRef>
-          <a:effectRef idx="2">
-            <a:schemeClr val="accent1"/>
-          </a:effectRef>
+          <a:lnRef idx="0"/>
+          <a:fillRef idx="0"/>
+          <a:effectRef idx="0"/>
           <a:fontRef idx="minor"/>
         </p:style>
       </p:sp>
@@ -3394,16 +3346,15 @@
             </a:pathLst>
           </a:custGeom>
           <a:solidFill>
-            <a:schemeClr val="accent2">
-              <a:lumMod val="75000"/>
+            <a:srgbClr val="226292">
               <a:alpha val="80000"/>
-            </a:schemeClr>
+            </a:srgbClr>
           </a:solidFill>
-          <a:ln>
+          <a:ln w="12600">
             <a:noFill/>
           </a:ln>
           <a:effectLst>
-            <a:outerShdw blurRad="38100" dir="5400000" dist="25400" rotWithShape="0">
+            <a:outerShdw dist="25560" dir="5400000">
               <a:srgbClr val="000000">
                 <a:alpha val="35000"/>
               </a:srgbClr>
@@ -3411,15 +3362,9 @@
           </a:effectLst>
         </p:spPr>
         <p:style>
-          <a:lnRef idx="1">
-            <a:schemeClr val="accent1"/>
-          </a:lnRef>
-          <a:fillRef idx="3">
-            <a:schemeClr val="accent1"/>
-          </a:fillRef>
-          <a:effectRef idx="2">
-            <a:schemeClr val="accent1"/>
-          </a:effectRef>
+          <a:lnRef idx="0"/>
+          <a:fillRef idx="0"/>
+          <a:effectRef idx="0"/>
           <a:fontRef idx="minor"/>
         </p:style>
       </p:sp>
@@ -3440,16 +3385,15 @@
             </a:avLst>
           </a:prstGeom>
           <a:solidFill>
-            <a:schemeClr val="accent1">
-              <a:lumMod val="75000"/>
+            <a:srgbClr val="005490">
               <a:alpha val="66000"/>
-            </a:schemeClr>
+            </a:srgbClr>
           </a:solidFill>
-          <a:ln>
+          <a:ln w="12600">
             <a:noFill/>
           </a:ln>
           <a:effectLst>
-            <a:outerShdw blurRad="38100" dir="5400000" dist="25400" rotWithShape="0">
+            <a:outerShdw dist="25560" dir="5400000">
               <a:srgbClr val="000000">
                 <a:alpha val="35000"/>
               </a:srgbClr>
@@ -3457,15 +3401,9 @@
           </a:effectLst>
         </p:spPr>
         <p:style>
-          <a:lnRef idx="1">
-            <a:schemeClr val="accent1"/>
-          </a:lnRef>
-          <a:fillRef idx="3">
-            <a:schemeClr val="accent1"/>
-          </a:fillRef>
-          <a:effectRef idx="2">
-            <a:schemeClr val="accent1"/>
-          </a:effectRef>
+          <a:lnRef idx="0"/>
+          <a:fillRef idx="0"/>
+          <a:effectRef idx="0"/>
           <a:fontRef idx="minor"/>
         </p:style>
       </p:sp>
@@ -3486,15 +3424,15 @@
             </a:avLst>
           </a:prstGeom>
           <a:solidFill>
-            <a:schemeClr val="accent1">
+            <a:srgbClr val="0070c0">
               <a:alpha val="70000"/>
-            </a:schemeClr>
+            </a:srgbClr>
           </a:solidFill>
-          <a:ln>
+          <a:ln w="12600">
             <a:noFill/>
           </a:ln>
           <a:effectLst>
-            <a:outerShdw blurRad="38100" dir="5400000" dist="25400" rotWithShape="0">
+            <a:outerShdw dist="25560" dir="5400000">
               <a:srgbClr val="000000">
                 <a:alpha val="35000"/>
               </a:srgbClr>
@@ -3502,15 +3440,9 @@
           </a:effectLst>
         </p:spPr>
         <p:style>
-          <a:lnRef idx="1">
-            <a:schemeClr val="accent1"/>
-          </a:lnRef>
-          <a:fillRef idx="3">
-            <a:schemeClr val="accent1"/>
-          </a:fillRef>
-          <a:effectRef idx="2">
-            <a:schemeClr val="accent1"/>
-          </a:effectRef>
+          <a:lnRef idx="0"/>
+          <a:fillRef idx="0"/>
+          <a:effectRef idx="0"/>
           <a:fontRef idx="minor"/>
         </p:style>
       </p:sp>
@@ -3552,15 +3484,15 @@
             </a:pathLst>
           </a:custGeom>
           <a:solidFill>
-            <a:schemeClr val="accent1">
+            <a:srgbClr val="0070c0">
               <a:alpha val="70000"/>
-            </a:schemeClr>
+            </a:srgbClr>
           </a:solidFill>
-          <a:ln>
+          <a:ln w="12600">
             <a:noFill/>
           </a:ln>
           <a:effectLst>
-            <a:outerShdw blurRad="38100" dir="5400000" dist="25400" rotWithShape="0">
+            <a:outerShdw dist="25560" dir="5400000">
               <a:srgbClr val="000000">
                 <a:alpha val="35000"/>
               </a:srgbClr>
@@ -3568,15 +3500,9 @@
           </a:effectLst>
         </p:spPr>
         <p:style>
-          <a:lnRef idx="1">
-            <a:schemeClr val="accent1"/>
-          </a:lnRef>
-          <a:fillRef idx="3">
-            <a:schemeClr val="accent1"/>
-          </a:fillRef>
-          <a:effectRef idx="2">
-            <a:schemeClr val="accent1"/>
-          </a:effectRef>
+          <a:lnRef idx="0"/>
+          <a:fillRef idx="0"/>
+          <a:effectRef idx="0"/>
           <a:fontRef idx="minor"/>
         </p:style>
       </p:sp>
@@ -3596,23 +3522,15 @@
           </a:prstGeom>
           <a:ln w="9360">
             <a:solidFill>
-              <a:schemeClr val="accent1">
-                <a:alpha val="70000"/>
-              </a:schemeClr>
+              <a:srgbClr val="0070c0"/>
             </a:solidFill>
             <a:round/>
           </a:ln>
         </p:spPr>
         <p:style>
-          <a:lnRef idx="2">
-            <a:schemeClr val="accent1"/>
-          </a:lnRef>
-          <a:fillRef idx="0">
-            <a:schemeClr val="accent1"/>
-          </a:fillRef>
-          <a:effectRef idx="1">
-            <a:schemeClr val="accent1"/>
-          </a:effectRef>
+          <a:lnRef idx="0"/>
+          <a:fillRef idx="0"/>
+          <a:effectRef idx="0"/>
           <a:fontRef idx="minor"/>
         </p:style>
       </p:sp>
@@ -3632,23 +3550,15 @@
           </a:prstGeom>
           <a:ln w="9360">
             <a:solidFill>
-              <a:schemeClr val="accent1">
-                <a:alpha val="70000"/>
-              </a:schemeClr>
+              <a:srgbClr val="0070c0"/>
             </a:solidFill>
             <a:round/>
           </a:ln>
         </p:spPr>
         <p:style>
-          <a:lnRef idx="2">
-            <a:schemeClr val="accent1"/>
-          </a:lnRef>
-          <a:fillRef idx="0">
-            <a:schemeClr val="accent1"/>
-          </a:fillRef>
-          <a:effectRef idx="1">
-            <a:schemeClr val="accent1"/>
-          </a:effectRef>
+          <a:lnRef idx="0"/>
+          <a:fillRef idx="0"/>
+          <a:effectRef idx="0"/>
           <a:fontRef idx="minor"/>
         </p:style>
       </p:sp>
@@ -3690,15 +3600,15 @@
             </a:pathLst>
           </a:custGeom>
           <a:solidFill>
-            <a:schemeClr val="accent1">
+            <a:srgbClr val="0070c0">
               <a:alpha val="36000"/>
-            </a:schemeClr>
+            </a:srgbClr>
           </a:solidFill>
-          <a:ln>
+          <a:ln w="12600">
             <a:noFill/>
           </a:ln>
           <a:effectLst>
-            <a:outerShdw blurRad="38100" dir="5400000" dist="25400" rotWithShape="0">
+            <a:outerShdw dist="25560" dir="5400000">
               <a:srgbClr val="000000">
                 <a:alpha val="35000"/>
               </a:srgbClr>
@@ -3706,15 +3616,9 @@
           </a:effectLst>
         </p:spPr>
         <p:style>
-          <a:lnRef idx="1">
-            <a:schemeClr val="accent1"/>
-          </a:lnRef>
-          <a:fillRef idx="3">
-            <a:schemeClr val="accent1"/>
-          </a:fillRef>
-          <a:effectRef idx="2">
-            <a:schemeClr val="accent1"/>
-          </a:effectRef>
+          <a:lnRef idx="0"/>
+          <a:fillRef idx="0"/>
+          <a:effectRef idx="0"/>
           <a:fontRef idx="minor"/>
         </p:style>
       </p:sp>
@@ -3756,15 +3660,15 @@
             </a:pathLst>
           </a:custGeom>
           <a:solidFill>
-            <a:schemeClr val="accent1">
+            <a:srgbClr val="0070c0">
               <a:alpha val="20000"/>
-            </a:schemeClr>
+            </a:srgbClr>
           </a:solidFill>
-          <a:ln>
+          <a:ln w="12600">
             <a:noFill/>
           </a:ln>
           <a:effectLst>
-            <a:outerShdw blurRad="38100" dir="5400000" dist="25400" rotWithShape="0">
+            <a:outerShdw dist="25560" dir="5400000">
               <a:srgbClr val="000000">
                 <a:alpha val="35000"/>
               </a:srgbClr>
@@ -3772,15 +3676,9 @@
           </a:effectLst>
         </p:spPr>
         <p:style>
-          <a:lnRef idx="1">
-            <a:schemeClr val="accent1"/>
-          </a:lnRef>
-          <a:fillRef idx="3">
-            <a:schemeClr val="accent1"/>
-          </a:fillRef>
-          <a:effectRef idx="2">
-            <a:schemeClr val="accent1"/>
-          </a:effectRef>
+          <a:lnRef idx="0"/>
+          <a:fillRef idx="0"/>
+          <a:effectRef idx="0"/>
           <a:fontRef idx="minor"/>
         </p:style>
       </p:sp>
@@ -3801,16 +3699,15 @@
             </a:avLst>
           </a:prstGeom>
           <a:solidFill>
-            <a:schemeClr val="accent1">
-              <a:lumMod val="75000"/>
+            <a:srgbClr val="005490">
               <a:alpha val="66000"/>
-            </a:schemeClr>
+            </a:srgbClr>
           </a:solidFill>
-          <a:ln>
+          <a:ln w="12600">
             <a:noFill/>
           </a:ln>
           <a:effectLst>
-            <a:outerShdw blurRad="38100" dir="5400000" dist="25400" rotWithShape="0">
+            <a:outerShdw dist="25560" dir="5400000">
               <a:srgbClr val="000000">
                 <a:alpha val="35000"/>
               </a:srgbClr>
@@ -3818,15 +3715,9 @@
           </a:effectLst>
         </p:spPr>
         <p:style>
-          <a:lnRef idx="1">
-            <a:schemeClr val="accent1"/>
-          </a:lnRef>
-          <a:fillRef idx="3">
-            <a:schemeClr val="accent1"/>
-          </a:fillRef>
-          <a:effectRef idx="2">
-            <a:schemeClr val="accent1"/>
-          </a:effectRef>
+          <a:lnRef idx="0"/>
+          <a:fillRef idx="0"/>
+          <a:effectRef idx="0"/>
           <a:fontRef idx="minor"/>
         </p:style>
       </p:sp>
@@ -3868,16 +3759,15 @@
             </a:pathLst>
           </a:custGeom>
           <a:solidFill>
-            <a:schemeClr val="accent1">
-              <a:lumMod val="75000"/>
+            <a:srgbClr val="005490">
               <a:alpha val="50000"/>
-            </a:schemeClr>
+            </a:srgbClr>
           </a:solidFill>
-          <a:ln>
+          <a:ln w="12600">
             <a:noFill/>
           </a:ln>
           <a:effectLst>
-            <a:outerShdw blurRad="38100" dir="5400000" dist="25400" rotWithShape="0">
+            <a:outerShdw dist="25560" dir="5400000">
               <a:srgbClr val="000000">
                 <a:alpha val="35000"/>
               </a:srgbClr>
@@ -3885,15 +3775,9 @@
           </a:effectLst>
         </p:spPr>
         <p:style>
-          <a:lnRef idx="1">
-            <a:schemeClr val="accent1"/>
-          </a:lnRef>
-          <a:fillRef idx="3">
-            <a:schemeClr val="accent1"/>
-          </a:fillRef>
-          <a:effectRef idx="2">
-            <a:schemeClr val="accent1"/>
-          </a:effectRef>
+          <a:lnRef idx="0"/>
+          <a:fillRef idx="0"/>
+          <a:effectRef idx="0"/>
           <a:fontRef idx="minor"/>
         </p:style>
       </p:sp>
@@ -3935,15 +3819,15 @@
             </a:pathLst>
           </a:custGeom>
           <a:solidFill>
-            <a:schemeClr val="accent2">
+            <a:srgbClr val="2e83c3">
               <a:alpha val="70000"/>
-            </a:schemeClr>
+            </a:srgbClr>
           </a:solidFill>
-          <a:ln>
+          <a:ln w="12600">
             <a:noFill/>
           </a:ln>
           <a:effectLst>
-            <a:outerShdw blurRad="38100" dir="5400000" dist="25400" rotWithShape="0">
+            <a:outerShdw dist="25560" dir="5400000">
               <a:srgbClr val="000000">
                 <a:alpha val="35000"/>
               </a:srgbClr>
@@ -3951,15 +3835,9 @@
           </a:effectLst>
         </p:spPr>
         <p:style>
-          <a:lnRef idx="1">
-            <a:schemeClr val="accent1"/>
-          </a:lnRef>
-          <a:fillRef idx="3">
-            <a:schemeClr val="accent1"/>
-          </a:fillRef>
-          <a:effectRef idx="2">
-            <a:schemeClr val="accent1"/>
-          </a:effectRef>
+          <a:lnRef idx="0"/>
+          <a:fillRef idx="0"/>
+          <a:effectRef idx="0"/>
           <a:fontRef idx="minor"/>
         </p:style>
       </p:sp>
@@ -4001,16 +3879,15 @@
             </a:pathLst>
           </a:custGeom>
           <a:solidFill>
-            <a:schemeClr val="accent2">
-              <a:lumMod val="75000"/>
+            <a:srgbClr val="226292">
               <a:alpha val="80000"/>
-            </a:schemeClr>
+            </a:srgbClr>
           </a:solidFill>
-          <a:ln>
+          <a:ln w="12600">
             <a:noFill/>
           </a:ln>
           <a:effectLst>
-            <a:outerShdw blurRad="38100" dir="5400000" dist="25400" rotWithShape="0">
+            <a:outerShdw dist="25560" dir="5400000">
               <a:srgbClr val="000000">
                 <a:alpha val="35000"/>
               </a:srgbClr>
@@ -4018,15 +3895,9 @@
           </a:effectLst>
         </p:spPr>
         <p:style>
-          <a:lnRef idx="1">
-            <a:schemeClr val="accent1"/>
-          </a:lnRef>
-          <a:fillRef idx="3">
-            <a:schemeClr val="accent1"/>
-          </a:fillRef>
-          <a:effectRef idx="2">
-            <a:schemeClr val="accent1"/>
-          </a:effectRef>
+          <a:lnRef idx="0"/>
+          <a:fillRef idx="0"/>
+          <a:effectRef idx="0"/>
           <a:fontRef idx="minor"/>
         </p:style>
       </p:sp>
@@ -4047,16 +3918,15 @@
             </a:avLst>
           </a:prstGeom>
           <a:solidFill>
-            <a:schemeClr val="accent1">
-              <a:lumMod val="75000"/>
+            <a:srgbClr val="005490">
               <a:alpha val="66000"/>
-            </a:schemeClr>
+            </a:srgbClr>
           </a:solidFill>
-          <a:ln>
+          <a:ln w="12600">
             <a:noFill/>
           </a:ln>
           <a:effectLst>
-            <a:outerShdw blurRad="38100" dir="5400000" dist="25400" rotWithShape="0">
+            <a:outerShdw dist="25560" dir="5400000">
               <a:srgbClr val="000000">
                 <a:alpha val="35000"/>
               </a:srgbClr>
@@ -4064,15 +3934,9 @@
           </a:effectLst>
         </p:spPr>
         <p:style>
-          <a:lnRef idx="1">
-            <a:schemeClr val="accent1"/>
-          </a:lnRef>
-          <a:fillRef idx="3">
-            <a:schemeClr val="accent1"/>
-          </a:fillRef>
-          <a:effectRef idx="2">
-            <a:schemeClr val="accent1"/>
-          </a:effectRef>
+          <a:lnRef idx="0"/>
+          <a:fillRef idx="0"/>
+          <a:effectRef idx="0"/>
           <a:fontRef idx="minor"/>
         </p:style>
       </p:sp>
@@ -4172,9 +4036,9 @@
                 <a:latin typeface="Trebuchet MS"/>
                 <a:ea typeface="標楷體"/>
               </a:rPr>
-              <a:t>10/25/17</a:t>
-            </a:r>
-            <a:endParaRPr b="0" lang="en-US" sz="1400" spc="-1" strike="noStrike">
+              <a:t>10/26/17</a:t>
+            </a:r>
+            <a:endParaRPr b="0" lang="en-US" sz="900" spc="-1" strike="noStrike">
               <a:solidFill>
                 <a:srgbClr val="000000"/>
               </a:solidFill>
@@ -4251,7 +4115,7 @@
                 <a:spcPct val="100000"/>
               </a:lnSpc>
             </a:pPr>
-            <a:fld id="{8CCB9428-15CF-49F0-B95C-5EE26A3CC811}" type="slidenum">
+            <a:fld id="{AAD5F21D-4A5E-411F-9F5D-7437D58156C7}" type="slidenum">
               <a:rPr b="0" lang="en-US" sz="900" spc="-1" strike="noStrike">
                 <a:solidFill>
                   <a:srgbClr val="0070c0"/>
@@ -4266,7 +4130,7 @@
               </a:rPr>
               <a:t>&lt;編號&gt;</a:t>
             </a:fld>
-            <a:endParaRPr b="0" lang="en-US" sz="1400" spc="-1" strike="noStrike">
+            <a:endParaRPr b="0" lang="en-US" sz="900" spc="-1" strike="noStrike">
               <a:solidFill>
                 <a:srgbClr val="000000"/>
               </a:solidFill>
@@ -4608,23 +4472,15 @@
           </a:prstGeom>
           <a:ln w="9360">
             <a:solidFill>
-              <a:schemeClr val="accent1">
-                <a:alpha val="70000"/>
-              </a:schemeClr>
+              <a:srgbClr val="0070c0"/>
             </a:solidFill>
             <a:round/>
           </a:ln>
         </p:spPr>
         <p:style>
-          <a:lnRef idx="2">
-            <a:schemeClr val="accent1"/>
-          </a:lnRef>
-          <a:fillRef idx="0">
-            <a:schemeClr val="accent1"/>
-          </a:fillRef>
-          <a:effectRef idx="1">
-            <a:schemeClr val="accent1"/>
-          </a:effectRef>
+          <a:lnRef idx="0"/>
+          <a:fillRef idx="0"/>
+          <a:effectRef idx="0"/>
           <a:fontRef idx="minor"/>
         </p:style>
       </p:sp>
@@ -4644,23 +4500,15 @@
           </a:prstGeom>
           <a:ln w="9360">
             <a:solidFill>
-              <a:schemeClr val="accent1">
-                <a:alpha val="70000"/>
-              </a:schemeClr>
+              <a:srgbClr val="0070c0"/>
             </a:solidFill>
             <a:round/>
           </a:ln>
         </p:spPr>
         <p:style>
-          <a:lnRef idx="2">
-            <a:schemeClr val="accent1"/>
-          </a:lnRef>
-          <a:fillRef idx="0">
-            <a:schemeClr val="accent1"/>
-          </a:fillRef>
-          <a:effectRef idx="1">
-            <a:schemeClr val="accent1"/>
-          </a:effectRef>
+          <a:lnRef idx="0"/>
+          <a:fillRef idx="0"/>
+          <a:effectRef idx="0"/>
           <a:fontRef idx="minor"/>
         </p:style>
       </p:sp>
@@ -4702,15 +4550,15 @@
             </a:pathLst>
           </a:custGeom>
           <a:solidFill>
-            <a:schemeClr val="accent1">
+            <a:srgbClr val="0070c0">
               <a:alpha val="36000"/>
-            </a:schemeClr>
+            </a:srgbClr>
           </a:solidFill>
-          <a:ln>
+          <a:ln w="12600">
             <a:noFill/>
           </a:ln>
           <a:effectLst>
-            <a:outerShdw blurRad="38100" dir="5400000" dist="25400" rotWithShape="0">
+            <a:outerShdw dist="25560" dir="5400000">
               <a:srgbClr val="000000">
                 <a:alpha val="35000"/>
               </a:srgbClr>
@@ -4718,15 +4566,9 @@
           </a:effectLst>
         </p:spPr>
         <p:style>
-          <a:lnRef idx="1">
-            <a:schemeClr val="accent1"/>
-          </a:lnRef>
-          <a:fillRef idx="3">
-            <a:schemeClr val="accent1"/>
-          </a:fillRef>
-          <a:effectRef idx="2">
-            <a:schemeClr val="accent1"/>
-          </a:effectRef>
+          <a:lnRef idx="0"/>
+          <a:fillRef idx="0"/>
+          <a:effectRef idx="0"/>
           <a:fontRef idx="minor"/>
         </p:style>
       </p:sp>
@@ -4768,15 +4610,15 @@
             </a:pathLst>
           </a:custGeom>
           <a:solidFill>
-            <a:schemeClr val="accent1">
+            <a:srgbClr val="0070c0">
               <a:alpha val="20000"/>
-            </a:schemeClr>
+            </a:srgbClr>
           </a:solidFill>
-          <a:ln>
+          <a:ln w="12600">
             <a:noFill/>
           </a:ln>
           <a:effectLst>
-            <a:outerShdw blurRad="38100" dir="5400000" dist="25400" rotWithShape="0">
+            <a:outerShdw dist="25560" dir="5400000">
               <a:srgbClr val="000000">
                 <a:alpha val="35000"/>
               </a:srgbClr>
@@ -4784,15 +4626,9 @@
           </a:effectLst>
         </p:spPr>
         <p:style>
-          <a:lnRef idx="1">
-            <a:schemeClr val="accent1"/>
-          </a:lnRef>
-          <a:fillRef idx="3">
-            <a:schemeClr val="accent1"/>
-          </a:fillRef>
-          <a:effectRef idx="2">
-            <a:schemeClr val="accent1"/>
-          </a:effectRef>
+          <a:lnRef idx="0"/>
+          <a:fillRef idx="0"/>
+          <a:effectRef idx="0"/>
           <a:fontRef idx="minor"/>
         </p:style>
       </p:sp>
@@ -4813,16 +4649,15 @@
             </a:avLst>
           </a:prstGeom>
           <a:solidFill>
-            <a:schemeClr val="accent1">
-              <a:lumMod val="75000"/>
+            <a:srgbClr val="005490">
               <a:alpha val="66000"/>
-            </a:schemeClr>
+            </a:srgbClr>
           </a:solidFill>
-          <a:ln>
+          <a:ln w="12600">
             <a:noFill/>
           </a:ln>
           <a:effectLst>
-            <a:outerShdw blurRad="38100" dir="5400000" dist="25400" rotWithShape="0">
+            <a:outerShdw dist="25560" dir="5400000">
               <a:srgbClr val="000000">
                 <a:alpha val="35000"/>
               </a:srgbClr>
@@ -4830,15 +4665,9 @@
           </a:effectLst>
         </p:spPr>
         <p:style>
-          <a:lnRef idx="1">
-            <a:schemeClr val="accent1"/>
-          </a:lnRef>
-          <a:fillRef idx="3">
-            <a:schemeClr val="accent1"/>
-          </a:fillRef>
-          <a:effectRef idx="2">
-            <a:schemeClr val="accent1"/>
-          </a:effectRef>
+          <a:lnRef idx="0"/>
+          <a:fillRef idx="0"/>
+          <a:effectRef idx="0"/>
           <a:fontRef idx="minor"/>
         </p:style>
       </p:sp>
@@ -4880,16 +4709,15 @@
             </a:pathLst>
           </a:custGeom>
           <a:solidFill>
-            <a:schemeClr val="accent1">
-              <a:lumMod val="75000"/>
+            <a:srgbClr val="005490">
               <a:alpha val="50000"/>
-            </a:schemeClr>
+            </a:srgbClr>
           </a:solidFill>
-          <a:ln>
+          <a:ln w="12600">
             <a:noFill/>
           </a:ln>
           <a:effectLst>
-            <a:outerShdw blurRad="38100" dir="5400000" dist="25400" rotWithShape="0">
+            <a:outerShdw dist="25560" dir="5400000">
               <a:srgbClr val="000000">
                 <a:alpha val="35000"/>
               </a:srgbClr>
@@ -4897,15 +4725,9 @@
           </a:effectLst>
         </p:spPr>
         <p:style>
-          <a:lnRef idx="1">
-            <a:schemeClr val="accent1"/>
-          </a:lnRef>
-          <a:fillRef idx="3">
-            <a:schemeClr val="accent1"/>
-          </a:fillRef>
-          <a:effectRef idx="2">
-            <a:schemeClr val="accent1"/>
-          </a:effectRef>
+          <a:lnRef idx="0"/>
+          <a:fillRef idx="0"/>
+          <a:effectRef idx="0"/>
           <a:fontRef idx="minor"/>
         </p:style>
       </p:sp>
@@ -4947,15 +4769,15 @@
             </a:pathLst>
           </a:custGeom>
           <a:solidFill>
-            <a:schemeClr val="accent2">
+            <a:srgbClr val="2e83c3">
               <a:alpha val="70000"/>
-            </a:schemeClr>
+            </a:srgbClr>
           </a:solidFill>
-          <a:ln>
+          <a:ln w="12600">
             <a:noFill/>
           </a:ln>
           <a:effectLst>
-            <a:outerShdw blurRad="38100" dir="5400000" dist="25400" rotWithShape="0">
+            <a:outerShdw dist="25560" dir="5400000">
               <a:srgbClr val="000000">
                 <a:alpha val="35000"/>
               </a:srgbClr>
@@ -4963,15 +4785,9 @@
           </a:effectLst>
         </p:spPr>
         <p:style>
-          <a:lnRef idx="1">
-            <a:schemeClr val="accent1"/>
-          </a:lnRef>
-          <a:fillRef idx="3">
-            <a:schemeClr val="accent1"/>
-          </a:fillRef>
-          <a:effectRef idx="2">
-            <a:schemeClr val="accent1"/>
-          </a:effectRef>
+          <a:lnRef idx="0"/>
+          <a:fillRef idx="0"/>
+          <a:effectRef idx="0"/>
           <a:fontRef idx="minor"/>
         </p:style>
       </p:sp>
@@ -5013,16 +4829,15 @@
             </a:pathLst>
           </a:custGeom>
           <a:solidFill>
-            <a:schemeClr val="accent2">
-              <a:lumMod val="75000"/>
+            <a:srgbClr val="226292">
               <a:alpha val="80000"/>
-            </a:schemeClr>
+            </a:srgbClr>
           </a:solidFill>
-          <a:ln>
+          <a:ln w="12600">
             <a:noFill/>
           </a:ln>
           <a:effectLst>
-            <a:outerShdw blurRad="38100" dir="5400000" dist="25400" rotWithShape="0">
+            <a:outerShdw dist="25560" dir="5400000">
               <a:srgbClr val="000000">
                 <a:alpha val="35000"/>
               </a:srgbClr>
@@ -5030,15 +4845,9 @@
           </a:effectLst>
         </p:spPr>
         <p:style>
-          <a:lnRef idx="1">
-            <a:schemeClr val="accent1"/>
-          </a:lnRef>
-          <a:fillRef idx="3">
-            <a:schemeClr val="accent1"/>
-          </a:fillRef>
-          <a:effectRef idx="2">
-            <a:schemeClr val="accent1"/>
-          </a:effectRef>
+          <a:lnRef idx="0"/>
+          <a:fillRef idx="0"/>
+          <a:effectRef idx="0"/>
           <a:fontRef idx="minor"/>
         </p:style>
       </p:sp>
@@ -5059,16 +4868,15 @@
             </a:avLst>
           </a:prstGeom>
           <a:solidFill>
-            <a:schemeClr val="accent1">
-              <a:lumMod val="75000"/>
+            <a:srgbClr val="005490">
               <a:alpha val="66000"/>
-            </a:schemeClr>
+            </a:srgbClr>
           </a:solidFill>
-          <a:ln>
+          <a:ln w="12600">
             <a:noFill/>
           </a:ln>
           <a:effectLst>
-            <a:outerShdw blurRad="38100" dir="5400000" dist="25400" rotWithShape="0">
+            <a:outerShdw dist="25560" dir="5400000">
               <a:srgbClr val="000000">
                 <a:alpha val="35000"/>
               </a:srgbClr>
@@ -5076,15 +4884,9 @@
           </a:effectLst>
         </p:spPr>
         <p:style>
-          <a:lnRef idx="1">
-            <a:schemeClr val="accent1"/>
-          </a:lnRef>
-          <a:fillRef idx="3">
-            <a:schemeClr val="accent1"/>
-          </a:fillRef>
-          <a:effectRef idx="2">
-            <a:schemeClr val="accent1"/>
-          </a:effectRef>
+          <a:lnRef idx="0"/>
+          <a:fillRef idx="0"/>
+          <a:effectRef idx="0"/>
           <a:fontRef idx="minor"/>
         </p:style>
       </p:sp>
@@ -5105,15 +4907,15 @@
             </a:avLst>
           </a:prstGeom>
           <a:solidFill>
-            <a:schemeClr val="accent1">
+            <a:srgbClr val="0070c0">
               <a:alpha val="70000"/>
-            </a:schemeClr>
+            </a:srgbClr>
           </a:solidFill>
-          <a:ln>
+          <a:ln w="12600">
             <a:noFill/>
           </a:ln>
           <a:effectLst>
-            <a:outerShdw blurRad="38100" dir="5400000" dist="25400" rotWithShape="0">
+            <a:outerShdw dist="25560" dir="5400000">
               <a:srgbClr val="000000">
                 <a:alpha val="35000"/>
               </a:srgbClr>
@@ -5121,15 +4923,9 @@
           </a:effectLst>
         </p:spPr>
         <p:style>
-          <a:lnRef idx="1">
-            <a:schemeClr val="accent1"/>
-          </a:lnRef>
-          <a:fillRef idx="3">
-            <a:schemeClr val="accent1"/>
-          </a:fillRef>
-          <a:effectRef idx="2">
-            <a:schemeClr val="accent1"/>
-          </a:effectRef>
+          <a:lnRef idx="0"/>
+          <a:fillRef idx="0"/>
+          <a:effectRef idx="0"/>
           <a:fontRef idx="minor"/>
         </p:style>
       </p:sp>
@@ -5270,7 +5066,7 @@
               </a:rPr>
               <a:t>第二個大綱層次</a:t>
             </a:r>
-            <a:endParaRPr b="0" lang="zh-TW" sz="1800" spc="-1" strike="noStrike">
+            <a:endParaRPr b="0" lang="zh-TW" sz="1400" spc="-1" strike="noStrike">
               <a:solidFill>
                 <a:srgbClr val="404040"/>
               </a:solidFill>
@@ -5306,7 +5102,7 @@
               </a:rPr>
               <a:t>第三個大綱層次</a:t>
             </a:r>
-            <a:endParaRPr b="0" lang="zh-TW" sz="1800" spc="-1" strike="noStrike">
+            <a:endParaRPr b="0" lang="zh-TW" sz="1200" spc="-1" strike="noStrike">
               <a:solidFill>
                 <a:srgbClr val="404040"/>
               </a:solidFill>
@@ -5342,7 +5138,7 @@
               </a:rPr>
               <a:t>第四個大綱層次</a:t>
             </a:r>
-            <a:endParaRPr b="0" lang="zh-TW" sz="1800" spc="-1" strike="noStrike">
+            <a:endParaRPr b="0" lang="zh-TW" sz="1200" spc="-1" strike="noStrike">
               <a:solidFill>
                 <a:srgbClr val="404040"/>
               </a:solidFill>
@@ -5378,7 +5174,7 @@
               </a:rPr>
               <a:t>第五個大綱層次</a:t>
             </a:r>
-            <a:endParaRPr b="0" lang="zh-TW" sz="1800" spc="-1" strike="noStrike">
+            <a:endParaRPr b="0" lang="zh-TW" sz="2000" spc="-1" strike="noStrike">
               <a:solidFill>
                 <a:srgbClr val="404040"/>
               </a:solidFill>
@@ -5414,148 +5210,178 @@
               </a:rPr>
               <a:t>第六個大綱層次</a:t>
             </a:r>
-            <a:endParaRPr b="0" lang="zh-TW" sz="1800" spc="-1" strike="noStrike">
-              <a:solidFill>
-                <a:srgbClr val="404040"/>
-              </a:solidFill>
-              <a:uFill>
-                <a:solidFill>
-                  <a:srgbClr val="ffffff"/>
-                </a:solidFill>
-              </a:uFill>
-              <a:latin typeface="Trebuchet MS"/>
-            </a:endParaRPr>
-          </a:p>
-          <a:p>
-            <a:pPr marL="343080" indent="-342720">
+            <a:endParaRPr b="0" lang="zh-TW" sz="2000" spc="-1" strike="noStrike">
+              <a:solidFill>
+                <a:srgbClr val="404040"/>
+              </a:solidFill>
+              <a:uFill>
+                <a:solidFill>
+                  <a:srgbClr val="ffffff"/>
+                </a:solidFill>
+              </a:uFill>
+              <a:latin typeface="Trebuchet MS"/>
+            </a:endParaRPr>
+          </a:p>
+          <a:p>
+            <a:pPr lvl="6" marL="3024000" indent="-216000">
+              <a:buClr>
+                <a:srgbClr val="000000"/>
+              </a:buClr>
+              <a:buSzPct val="45000"/>
+              <a:buFont typeface="Wingdings" charset="2"/>
+              <a:buChar char=""/>
+            </a:pPr>
+            <a:r>
+              <a:rPr b="0" lang="zh-TW" sz="1800" spc="-1" strike="noStrike">
+                <a:solidFill>
+                  <a:srgbClr val="404040"/>
+                </a:solidFill>
+                <a:uFill>
+                  <a:solidFill>
+                    <a:srgbClr val="ffffff"/>
+                  </a:solidFill>
+                </a:uFill>
+                <a:latin typeface="Trebuchet MS"/>
+                <a:ea typeface="標楷體"/>
+              </a:rPr>
+              <a:t>第七個大綱層次按一下以編輯母片文字樣式</a:t>
+            </a:r>
+            <a:endParaRPr b="0" lang="zh-TW" sz="2000" spc="-1" strike="noStrike">
+              <a:solidFill>
+                <a:srgbClr val="404040"/>
+              </a:solidFill>
+              <a:uFill>
+                <a:solidFill>
+                  <a:srgbClr val="ffffff"/>
+                </a:solidFill>
+              </a:uFill>
+              <a:latin typeface="Trebuchet MS"/>
+            </a:endParaRPr>
+          </a:p>
+          <a:p>
+            <a:pPr lvl="7" marL="3456000" indent="-216000">
+              <a:buClr>
+                <a:srgbClr val="000000"/>
+              </a:buClr>
+              <a:buSzPct val="45000"/>
+              <a:buFont typeface="Wingdings" charset="2"/>
+              <a:buChar char=""/>
+            </a:pPr>
+            <a:r>
+              <a:rPr b="0" lang="zh-TW" sz="1600" spc="-1" strike="noStrike">
+                <a:solidFill>
+                  <a:srgbClr val="404040"/>
+                </a:solidFill>
+                <a:uFill>
+                  <a:solidFill>
+                    <a:srgbClr val="ffffff"/>
+                  </a:solidFill>
+                </a:uFill>
+                <a:latin typeface="Trebuchet MS"/>
+                <a:ea typeface="標楷體"/>
+              </a:rPr>
+              <a:t>第二層</a:t>
+            </a:r>
+            <a:endParaRPr b="0" lang="zh-TW" sz="2000" spc="-1" strike="noStrike">
+              <a:solidFill>
+                <a:srgbClr val="404040"/>
+              </a:solidFill>
+              <a:uFill>
+                <a:solidFill>
+                  <a:srgbClr val="ffffff"/>
+                </a:solidFill>
+              </a:uFill>
+              <a:latin typeface="Trebuchet MS"/>
+            </a:endParaRPr>
+          </a:p>
+          <a:p>
+            <a:pPr lvl="8" marL="3888000" indent="-216000">
+              <a:buClr>
+                <a:srgbClr val="000000"/>
+              </a:buClr>
+              <a:buSzPct val="45000"/>
+              <a:buFont typeface="Wingdings" charset="2"/>
+              <a:buChar char=""/>
+            </a:pPr>
+            <a:r>
+              <a:rPr b="0" lang="zh-TW" sz="1400" spc="-1" strike="noStrike">
+                <a:solidFill>
+                  <a:srgbClr val="404040"/>
+                </a:solidFill>
+                <a:uFill>
+                  <a:solidFill>
+                    <a:srgbClr val="ffffff"/>
+                  </a:solidFill>
+                </a:uFill>
+                <a:latin typeface="Trebuchet MS"/>
+                <a:ea typeface="標楷體"/>
+              </a:rPr>
+              <a:t>第三層</a:t>
+            </a:r>
+            <a:endParaRPr b="0" lang="zh-TW" sz="2000" spc="-1" strike="noStrike">
+              <a:solidFill>
+                <a:srgbClr val="404040"/>
+              </a:solidFill>
+              <a:uFill>
+                <a:solidFill>
+                  <a:srgbClr val="ffffff"/>
+                </a:solidFill>
+              </a:uFill>
+              <a:latin typeface="Trebuchet MS"/>
+            </a:endParaRPr>
+          </a:p>
+          <a:p>
+            <a:pPr lvl="9" marL="4320000" indent="-216000">
               <a:lnSpc>
                 <a:spcPct val="100000"/>
               </a:lnSpc>
               <a:buClr>
-                <a:srgbClr val="0070c0"/>
+                <a:srgbClr val="000000"/>
               </a:buClr>
-              <a:buSzPct val="80000"/>
-              <a:buFont typeface="Wingdings 3" charset="2"/>
-              <a:buChar char=""/>
+              <a:buSzPct val="45000"/>
+              <a:buFont typeface="Wingdings" charset="2"/>
+              <a:buChar char=""/>
             </a:pPr>
             <a:r>
-              <a:rPr b="0" lang="zh-TW" sz="1800" spc="-1" strike="noStrike">
-                <a:solidFill>
-                  <a:srgbClr val="404040"/>
-                </a:solidFill>
-                <a:uFill>
-                  <a:solidFill>
-                    <a:srgbClr val="ffffff"/>
-                  </a:solidFill>
-                </a:uFill>
-                <a:latin typeface="Trebuchet MS"/>
-                <a:ea typeface="標楷體"/>
-              </a:rPr>
-              <a:t>第七個大綱層次按一下以編輯母片文字樣式</a:t>
-            </a:r>
-            <a:endParaRPr b="0" lang="zh-TW" sz="1800" spc="-1" strike="noStrike">
-              <a:solidFill>
-                <a:srgbClr val="404040"/>
-              </a:solidFill>
-              <a:uFill>
-                <a:solidFill>
-                  <a:srgbClr val="ffffff"/>
-                </a:solidFill>
-              </a:uFill>
-              <a:latin typeface="Trebuchet MS"/>
-            </a:endParaRPr>
-          </a:p>
-          <a:p>
-            <a:pPr lvl="1" marL="743040" indent="-285480">
+              <a:rPr b="0" lang="zh-TW" sz="1200" spc="-1" strike="noStrike">
+                <a:solidFill>
+                  <a:srgbClr val="404040"/>
+                </a:solidFill>
+                <a:uFill>
+                  <a:solidFill>
+                    <a:srgbClr val="ffffff"/>
+                  </a:solidFill>
+                </a:uFill>
+                <a:latin typeface="Trebuchet MS"/>
+                <a:ea typeface="標楷體"/>
+              </a:rPr>
+              <a:t>第四層</a:t>
+            </a:r>
+            <a:endParaRPr b="0" lang="zh-TW" sz="1200" spc="-1" strike="noStrike">
+              <a:solidFill>
+                <a:srgbClr val="404040"/>
+              </a:solidFill>
+              <a:uFill>
+                <a:solidFill>
+                  <a:srgbClr val="ffffff"/>
+                </a:solidFill>
+              </a:uFill>
+              <a:latin typeface="Trebuchet MS"/>
+            </a:endParaRPr>
+          </a:p>
+          <a:p>
+            <a:pPr lvl="9" marL="4320000" indent="-216000">
               <a:lnSpc>
                 <a:spcPct val="100000"/>
               </a:lnSpc>
               <a:buClr>
-                <a:srgbClr val="0070c0"/>
+                <a:srgbClr val="000000"/>
               </a:buClr>
-              <a:buSzPct val="80000"/>
-              <a:buFont typeface="Wingdings 3" charset="2"/>
-              <a:buChar char=""/>
+              <a:buSzPct val="45000"/>
+              <a:buFont typeface="Wingdings" charset="2"/>
+              <a:buChar char=""/>
             </a:pPr>
             <a:r>
-              <a:rPr b="0" lang="zh-TW" sz="1600" spc="-1" strike="noStrike">
-                <a:solidFill>
-                  <a:srgbClr val="404040"/>
-                </a:solidFill>
-                <a:uFill>
-                  <a:solidFill>
-                    <a:srgbClr val="ffffff"/>
-                  </a:solidFill>
-                </a:uFill>
-                <a:latin typeface="Trebuchet MS"/>
-                <a:ea typeface="標楷體"/>
-              </a:rPr>
-              <a:t>第二層</a:t>
-            </a:r>
-            <a:endParaRPr b="0" lang="zh-TW" sz="1800" spc="-1" strike="noStrike">
-              <a:solidFill>
-                <a:srgbClr val="404040"/>
-              </a:solidFill>
-              <a:uFill>
-                <a:solidFill>
-                  <a:srgbClr val="ffffff"/>
-                </a:solidFill>
-              </a:uFill>
-              <a:latin typeface="Trebuchet MS"/>
-            </a:endParaRPr>
-          </a:p>
-          <a:p>
-            <a:pPr lvl="2" marL="1143000" indent="-228240">
-              <a:lnSpc>
-                <a:spcPct val="100000"/>
-              </a:lnSpc>
-              <a:buClr>
-                <a:srgbClr val="0070c0"/>
-              </a:buClr>
-              <a:buSzPct val="80000"/>
-              <a:buFont typeface="Wingdings 3" charset="2"/>
-              <a:buChar char=""/>
-            </a:pPr>
-            <a:r>
-              <a:rPr b="0" lang="zh-TW" sz="1400" spc="-1" strike="noStrike">
-                <a:solidFill>
-                  <a:srgbClr val="404040"/>
-                </a:solidFill>
-                <a:uFill>
-                  <a:solidFill>
-                    <a:srgbClr val="ffffff"/>
-                  </a:solidFill>
-                </a:uFill>
-                <a:latin typeface="Trebuchet MS"/>
-                <a:ea typeface="標楷體"/>
-              </a:rPr>
-              <a:t>第三層</a:t>
-            </a:r>
-            <a:endParaRPr b="0" lang="zh-TW" sz="1800" spc="-1" strike="noStrike">
-              <a:solidFill>
-                <a:srgbClr val="404040"/>
-              </a:solidFill>
-              <a:uFill>
-                <a:solidFill>
-                  <a:srgbClr val="ffffff"/>
-                </a:solidFill>
-              </a:uFill>
-              <a:latin typeface="Trebuchet MS"/>
-            </a:endParaRPr>
-          </a:p>
-          <a:p>
-            <a:pPr lvl="3" marL="1600200" indent="-228240">
-              <a:lnSpc>
-                <a:spcPct val="100000"/>
-              </a:lnSpc>
-              <a:buClr>
-                <a:srgbClr val="0070c0"/>
-              </a:buClr>
-              <a:buSzPct val="80000"/>
-              <a:buFont typeface="Wingdings 3" charset="2"/>
-              <a:buChar char=""/>
-            </a:pPr>
-            <a:r>
               <a:rPr b="0" lang="zh-TW" sz="1200" spc="-1" strike="noStrike">
                 <a:solidFill>
                   <a:srgbClr val="404040"/>
@@ -5568,48 +5394,9 @@
                 <a:latin typeface="Trebuchet MS"/>
                 <a:ea typeface="標楷體"/>
               </a:rPr>
-              <a:t>第四層</a:t>
-            </a:r>
-            <a:endParaRPr b="0" lang="zh-TW" sz="1800" spc="-1" strike="noStrike">
-              <a:solidFill>
-                <a:srgbClr val="404040"/>
-              </a:solidFill>
-              <a:uFill>
-                <a:solidFill>
-                  <a:srgbClr val="ffffff"/>
-                </a:solidFill>
-              </a:uFill>
-              <a:latin typeface="Trebuchet MS"/>
-            </a:endParaRPr>
-          </a:p>
-          <a:p>
-            <a:pPr lvl="4" marL="2057400" indent="-228240">
-              <a:lnSpc>
-                <a:spcPct val="100000"/>
-              </a:lnSpc>
-              <a:buClr>
-                <a:srgbClr val="0070c0"/>
-              </a:buClr>
-              <a:buSzPct val="80000"/>
-              <a:buFont typeface="Wingdings 3" charset="2"/>
-              <a:buChar char=""/>
-            </a:pPr>
-            <a:r>
-              <a:rPr b="0" lang="zh-TW" sz="1200" spc="-1" strike="noStrike">
-                <a:solidFill>
-                  <a:srgbClr val="404040"/>
-                </a:solidFill>
-                <a:uFill>
-                  <a:solidFill>
-                    <a:srgbClr val="ffffff"/>
-                  </a:solidFill>
-                </a:uFill>
-                <a:latin typeface="Trebuchet MS"/>
-                <a:ea typeface="標楷體"/>
-              </a:rPr>
               <a:t>第五層</a:t>
             </a:r>
-            <a:endParaRPr b="0" lang="zh-TW" sz="1800" spc="-1" strike="noStrike">
+            <a:endParaRPr b="0" lang="zh-TW" sz="2000" spc="-1" strike="noStrike">
               <a:solidFill>
                 <a:srgbClr val="404040"/>
               </a:solidFill>
@@ -5663,9 +5450,9 @@
                 <a:latin typeface="Trebuchet MS"/>
                 <a:ea typeface="標楷體"/>
               </a:rPr>
-              <a:t>10/25/17</a:t>
-            </a:r>
-            <a:endParaRPr b="0" lang="en-US" sz="1400" spc="-1" strike="noStrike">
+              <a:t>10/26/17</a:t>
+            </a:r>
+            <a:endParaRPr b="0" lang="en-US" sz="900" spc="-1" strike="noStrike">
               <a:solidFill>
                 <a:srgbClr val="000000"/>
               </a:solidFill>
@@ -5742,7 +5529,7 @@
                 <a:spcPct val="100000"/>
               </a:lnSpc>
             </a:pPr>
-            <a:fld id="{F3065071-7690-47D4-82C4-33FE93D97391}" type="slidenum">
+            <a:fld id="{A17B3A96-6BA6-4D65-B337-991CF3ADA68C}" type="slidenum">
               <a:rPr b="0" lang="en-US" sz="900" spc="-1" strike="noStrike">
                 <a:solidFill>
                   <a:srgbClr val="0070c0"/>
@@ -5755,9 +5542,9 @@
                 <a:latin typeface="Trebuchet MS"/>
                 <a:ea typeface="標楷體"/>
               </a:rPr>
-              <a:t>1</a:t>
+              <a:t>&lt;編號&gt;</a:t>
             </a:fld>
-            <a:endParaRPr b="0" lang="en-US" sz="1400" spc="-1" strike="noStrike">
+            <a:endParaRPr b="0" lang="en-US" sz="900" spc="-1" strike="noStrike">
               <a:solidFill>
                 <a:srgbClr val="000000"/>
               </a:solidFill>
